--- a/documentation/draft/ci-environment/deploy-target-strategy.pptx
+++ b/documentation/draft/ci-environment/deploy-target-strategy.pptx
@@ -198,7 +198,7 @@
           <a:p>
             <a:fld id="{8F605344-AC9F-4F8D-8679-958E10C33BCA}" type="datetimeFigureOut">
               <a:rPr lang="ko-KR" altLang="en-US" smtClean="0"/>
-              <a:t>2012-07-13</a:t>
+              <a:t>2012-07-14</a:t>
             </a:fld>
             <a:endParaRPr lang="ko-KR" altLang="en-US"/>
           </a:p>
@@ -4478,7 +4478,7 @@
           <a:p>
             <a:fld id="{FB30EDBD-1C2D-4C1E-B459-B60219FAB484}" type="datetimeFigureOut">
               <a:rPr lang="ko-KR" altLang="en-US" smtClean="0"/>
-              <a:t>2012-07-13</a:t>
+              <a:t>2012-07-14</a:t>
             </a:fld>
             <a:endParaRPr lang="ko-KR" altLang="en-US"/>
           </a:p>
@@ -4643,7 +4643,7 @@
           <a:p>
             <a:fld id="{FB30EDBD-1C2D-4C1E-B459-B60219FAB484}" type="datetimeFigureOut">
               <a:rPr lang="ko-KR" altLang="en-US" smtClean="0"/>
-              <a:t>2012-07-13</a:t>
+              <a:t>2012-07-14</a:t>
             </a:fld>
             <a:endParaRPr lang="ko-KR" altLang="en-US"/>
           </a:p>
@@ -4818,7 +4818,7 @@
           <a:p>
             <a:fld id="{FB30EDBD-1C2D-4C1E-B459-B60219FAB484}" type="datetimeFigureOut">
               <a:rPr lang="ko-KR" altLang="en-US" smtClean="0"/>
-              <a:t>2012-07-13</a:t>
+              <a:t>2012-07-14</a:t>
             </a:fld>
             <a:endParaRPr lang="ko-KR" altLang="en-US"/>
           </a:p>
@@ -4983,7 +4983,7 @@
           <a:p>
             <a:fld id="{FB30EDBD-1C2D-4C1E-B459-B60219FAB484}" type="datetimeFigureOut">
               <a:rPr lang="ko-KR" altLang="en-US" smtClean="0"/>
-              <a:t>2012-07-13</a:t>
+              <a:t>2012-07-14</a:t>
             </a:fld>
             <a:endParaRPr lang="ko-KR" altLang="en-US"/>
           </a:p>
@@ -5224,7 +5224,7 @@
           <a:p>
             <a:fld id="{FB30EDBD-1C2D-4C1E-B459-B60219FAB484}" type="datetimeFigureOut">
               <a:rPr lang="ko-KR" altLang="en-US" smtClean="0"/>
-              <a:t>2012-07-13</a:t>
+              <a:t>2012-07-14</a:t>
             </a:fld>
             <a:endParaRPr lang="ko-KR" altLang="en-US"/>
           </a:p>
@@ -5507,7 +5507,7 @@
           <a:p>
             <a:fld id="{FB30EDBD-1C2D-4C1E-B459-B60219FAB484}" type="datetimeFigureOut">
               <a:rPr lang="ko-KR" altLang="en-US" smtClean="0"/>
-              <a:t>2012-07-13</a:t>
+              <a:t>2012-07-14</a:t>
             </a:fld>
             <a:endParaRPr lang="ko-KR" altLang="en-US"/>
           </a:p>
@@ -5924,7 +5924,7 @@
           <a:p>
             <a:fld id="{FB30EDBD-1C2D-4C1E-B459-B60219FAB484}" type="datetimeFigureOut">
               <a:rPr lang="ko-KR" altLang="en-US" smtClean="0"/>
-              <a:t>2012-07-13</a:t>
+              <a:t>2012-07-14</a:t>
             </a:fld>
             <a:endParaRPr lang="ko-KR" altLang="en-US"/>
           </a:p>
@@ -6037,7 +6037,7 @@
           <a:p>
             <a:fld id="{FB30EDBD-1C2D-4C1E-B459-B60219FAB484}" type="datetimeFigureOut">
               <a:rPr lang="ko-KR" altLang="en-US" smtClean="0"/>
-              <a:t>2012-07-13</a:t>
+              <a:t>2012-07-14</a:t>
             </a:fld>
             <a:endParaRPr lang="ko-KR" altLang="en-US"/>
           </a:p>
@@ -6127,7 +6127,7 @@
           <a:p>
             <a:fld id="{FB30EDBD-1C2D-4C1E-B459-B60219FAB484}" type="datetimeFigureOut">
               <a:rPr lang="ko-KR" altLang="en-US" smtClean="0"/>
-              <a:t>2012-07-13</a:t>
+              <a:t>2012-07-14</a:t>
             </a:fld>
             <a:endParaRPr lang="ko-KR" altLang="en-US"/>
           </a:p>
@@ -6399,7 +6399,7 @@
           <a:p>
             <a:fld id="{FB30EDBD-1C2D-4C1E-B459-B60219FAB484}" type="datetimeFigureOut">
               <a:rPr lang="ko-KR" altLang="en-US" smtClean="0"/>
-              <a:t>2012-07-13</a:t>
+              <a:t>2012-07-14</a:t>
             </a:fld>
             <a:endParaRPr lang="ko-KR" altLang="en-US"/>
           </a:p>
@@ -6647,7 +6647,7 @@
           <a:p>
             <a:fld id="{FB30EDBD-1C2D-4C1E-B459-B60219FAB484}" type="datetimeFigureOut">
               <a:rPr lang="ko-KR" altLang="en-US" smtClean="0"/>
-              <a:t>2012-07-13</a:t>
+              <a:t>2012-07-14</a:t>
             </a:fld>
             <a:endParaRPr lang="ko-KR" altLang="en-US"/>
           </a:p>
@@ -6855,7 +6855,7 @@
           <a:p>
             <a:fld id="{FB30EDBD-1C2D-4C1E-B459-B60219FAB484}" type="datetimeFigureOut">
               <a:rPr lang="ko-KR" altLang="en-US" smtClean="0"/>
-              <a:t>2012-07-13</a:t>
+              <a:t>2012-07-14</a:t>
             </a:fld>
             <a:endParaRPr lang="ko-KR" altLang="en-US"/>
           </a:p>
@@ -7621,6 +7621,7 @@
             <a:solidFill>
               <a:schemeClr val="tx1"/>
             </a:solidFill>
+            <a:prstDash val="dash"/>
             <a:tailEnd type="arrow"/>
           </a:ln>
         </p:spPr>
@@ -7660,6 +7661,7 @@
             <a:solidFill>
               <a:schemeClr val="tx1"/>
             </a:solidFill>
+            <a:prstDash val="dash"/>
             <a:tailEnd type="arrow"/>
           </a:ln>
         </p:spPr>
@@ -7785,6 +7787,7 @@
             <a:solidFill>
               <a:schemeClr val="tx1"/>
             </a:solidFill>
+            <a:prstDash val="dash"/>
             <a:tailEnd type="arrow"/>
           </a:ln>
         </p:spPr>

--- a/documentation/draft/ci-environment/deploy-target-strategy.pptx
+++ b/documentation/draft/ci-environment/deploy-target-strategy.pptx
@@ -198,7 +198,7 @@
           <a:p>
             <a:fld id="{8F605344-AC9F-4F8D-8679-958E10C33BCA}" type="datetimeFigureOut">
               <a:rPr lang="ko-KR" altLang="en-US" smtClean="0"/>
-              <a:t>2012-07-14</a:t>
+              <a:t>2012-08-16</a:t>
             </a:fld>
             <a:endParaRPr lang="ko-KR" altLang="en-US"/>
           </a:p>
@@ -4478,7 +4478,7 @@
           <a:p>
             <a:fld id="{FB30EDBD-1C2D-4C1E-B459-B60219FAB484}" type="datetimeFigureOut">
               <a:rPr lang="ko-KR" altLang="en-US" smtClean="0"/>
-              <a:t>2012-07-14</a:t>
+              <a:t>2012-08-16</a:t>
             </a:fld>
             <a:endParaRPr lang="ko-KR" altLang="en-US"/>
           </a:p>
@@ -4643,7 +4643,7 @@
           <a:p>
             <a:fld id="{FB30EDBD-1C2D-4C1E-B459-B60219FAB484}" type="datetimeFigureOut">
               <a:rPr lang="ko-KR" altLang="en-US" smtClean="0"/>
-              <a:t>2012-07-14</a:t>
+              <a:t>2012-08-16</a:t>
             </a:fld>
             <a:endParaRPr lang="ko-KR" altLang="en-US"/>
           </a:p>
@@ -4818,7 +4818,7 @@
           <a:p>
             <a:fld id="{FB30EDBD-1C2D-4C1E-B459-B60219FAB484}" type="datetimeFigureOut">
               <a:rPr lang="ko-KR" altLang="en-US" smtClean="0"/>
-              <a:t>2012-07-14</a:t>
+              <a:t>2012-08-16</a:t>
             </a:fld>
             <a:endParaRPr lang="ko-KR" altLang="en-US"/>
           </a:p>
@@ -4983,7 +4983,7 @@
           <a:p>
             <a:fld id="{FB30EDBD-1C2D-4C1E-B459-B60219FAB484}" type="datetimeFigureOut">
               <a:rPr lang="ko-KR" altLang="en-US" smtClean="0"/>
-              <a:t>2012-07-14</a:t>
+              <a:t>2012-08-16</a:t>
             </a:fld>
             <a:endParaRPr lang="ko-KR" altLang="en-US"/>
           </a:p>
@@ -5224,7 +5224,7 @@
           <a:p>
             <a:fld id="{FB30EDBD-1C2D-4C1E-B459-B60219FAB484}" type="datetimeFigureOut">
               <a:rPr lang="ko-KR" altLang="en-US" smtClean="0"/>
-              <a:t>2012-07-14</a:t>
+              <a:t>2012-08-16</a:t>
             </a:fld>
             <a:endParaRPr lang="ko-KR" altLang="en-US"/>
           </a:p>
@@ -5507,7 +5507,7 @@
           <a:p>
             <a:fld id="{FB30EDBD-1C2D-4C1E-B459-B60219FAB484}" type="datetimeFigureOut">
               <a:rPr lang="ko-KR" altLang="en-US" smtClean="0"/>
-              <a:t>2012-07-14</a:t>
+              <a:t>2012-08-16</a:t>
             </a:fld>
             <a:endParaRPr lang="ko-KR" altLang="en-US"/>
           </a:p>
@@ -5924,7 +5924,7 @@
           <a:p>
             <a:fld id="{FB30EDBD-1C2D-4C1E-B459-B60219FAB484}" type="datetimeFigureOut">
               <a:rPr lang="ko-KR" altLang="en-US" smtClean="0"/>
-              <a:t>2012-07-14</a:t>
+              <a:t>2012-08-16</a:t>
             </a:fld>
             <a:endParaRPr lang="ko-KR" altLang="en-US"/>
           </a:p>
@@ -6037,7 +6037,7 @@
           <a:p>
             <a:fld id="{FB30EDBD-1C2D-4C1E-B459-B60219FAB484}" type="datetimeFigureOut">
               <a:rPr lang="ko-KR" altLang="en-US" smtClean="0"/>
-              <a:t>2012-07-14</a:t>
+              <a:t>2012-08-16</a:t>
             </a:fld>
             <a:endParaRPr lang="ko-KR" altLang="en-US"/>
           </a:p>
@@ -6127,7 +6127,7 @@
           <a:p>
             <a:fld id="{FB30EDBD-1C2D-4C1E-B459-B60219FAB484}" type="datetimeFigureOut">
               <a:rPr lang="ko-KR" altLang="en-US" smtClean="0"/>
-              <a:t>2012-07-14</a:t>
+              <a:t>2012-08-16</a:t>
             </a:fld>
             <a:endParaRPr lang="ko-KR" altLang="en-US"/>
           </a:p>
@@ -6399,7 +6399,7 @@
           <a:p>
             <a:fld id="{FB30EDBD-1C2D-4C1E-B459-B60219FAB484}" type="datetimeFigureOut">
               <a:rPr lang="ko-KR" altLang="en-US" smtClean="0"/>
-              <a:t>2012-07-14</a:t>
+              <a:t>2012-08-16</a:t>
             </a:fld>
             <a:endParaRPr lang="ko-KR" altLang="en-US"/>
           </a:p>
@@ -6647,7 +6647,7 @@
           <a:p>
             <a:fld id="{FB30EDBD-1C2D-4C1E-B459-B60219FAB484}" type="datetimeFigureOut">
               <a:rPr lang="ko-KR" altLang="en-US" smtClean="0"/>
-              <a:t>2012-07-14</a:t>
+              <a:t>2012-08-16</a:t>
             </a:fld>
             <a:endParaRPr lang="ko-KR" altLang="en-US"/>
           </a:p>
@@ -6855,7 +6855,7 @@
           <a:p>
             <a:fld id="{FB30EDBD-1C2D-4C1E-B459-B60219FAB484}" type="datetimeFigureOut">
               <a:rPr lang="ko-KR" altLang="en-US" smtClean="0"/>
-              <a:t>2012-07-14</a:t>
+              <a:t>2012-08-16</a:t>
             </a:fld>
             <a:endParaRPr lang="ko-KR" altLang="en-US"/>
           </a:p>
@@ -7266,6 +7266,12 @@
             <a:r>
               <a:rPr lang="en-US" altLang="ko-KR" dirty="0" smtClean="0"/>
               <a:t>Target</a:t>
+            </a:r>
+          </a:p>
+          <a:p>
+            <a:r>
+              <a:rPr lang="en-US" altLang="ko-KR" smtClean="0"/>
+              <a:t>Production Server</a:t>
             </a:r>
             <a:endParaRPr lang="ko-KR" altLang="en-US" dirty="0"/>
           </a:p>
